--- a/Presentation for project.pptx
+++ b/Presentation for project.pptx
@@ -7,7 +7,16 @@
   <p:sldIdLst>
     <p:sldId id="256" r:id="rId2"/>
     <p:sldId id="257" r:id="rId3"/>
-    <p:sldId id="258" r:id="rId4"/>
+    <p:sldId id="259" r:id="rId4"/>
+    <p:sldId id="258" r:id="rId5"/>
+    <p:sldId id="260" r:id="rId6"/>
+    <p:sldId id="261" r:id="rId7"/>
+    <p:sldId id="262" r:id="rId8"/>
+    <p:sldId id="267" r:id="rId9"/>
+    <p:sldId id="263" r:id="rId10"/>
+    <p:sldId id="264" r:id="rId11"/>
+    <p:sldId id="265" r:id="rId12"/>
+    <p:sldId id="266" r:id="rId13"/>
   </p:sldIdLst>
   <p:sldSz cx="12192000" cy="6858000"/>
   <p:notesSz cx="6858000" cy="9144000"/>
@@ -106,6 +115,11 @@
       </a:defRPr>
     </a:lvl9pPr>
   </p:defaultTextStyle>
+  <p:extLst>
+    <p:ext uri="{EFAFB233-063F-42B5-8137-9DF3F51BA10A}">
+      <p15:sldGuideLst xmlns:p15="http://schemas.microsoft.com/office/powerpoint/2012/main"/>
+    </p:ext>
+  </p:extLst>
 </p:presentation>
 </file>
 
@@ -240,7 +254,7 @@
           <a:p>
             <a:fld id="{73E9D3E8-16BB-48D3-9B59-E0E4BD4FAD3C}" type="datetimeFigureOut">
               <a:rPr lang="sv-SE" smtClean="0"/>
-              <a:t>2024-04-03</a:t>
+              <a:t>2024-04-04</a:t>
             </a:fld>
             <a:endParaRPr lang="sv-SE"/>
           </a:p>
@@ -410,7 +424,7 @@
           <a:p>
             <a:fld id="{73E9D3E8-16BB-48D3-9B59-E0E4BD4FAD3C}" type="datetimeFigureOut">
               <a:rPr lang="sv-SE" smtClean="0"/>
-              <a:t>2024-04-03</a:t>
+              <a:t>2024-04-04</a:t>
             </a:fld>
             <a:endParaRPr lang="sv-SE"/>
           </a:p>
@@ -590,7 +604,7 @@
           <a:p>
             <a:fld id="{73E9D3E8-16BB-48D3-9B59-E0E4BD4FAD3C}" type="datetimeFigureOut">
               <a:rPr lang="sv-SE" smtClean="0"/>
-              <a:t>2024-04-03</a:t>
+              <a:t>2024-04-04</a:t>
             </a:fld>
             <a:endParaRPr lang="sv-SE"/>
           </a:p>
@@ -760,7 +774,7 @@
           <a:p>
             <a:fld id="{73E9D3E8-16BB-48D3-9B59-E0E4BD4FAD3C}" type="datetimeFigureOut">
               <a:rPr lang="sv-SE" smtClean="0"/>
-              <a:t>2024-04-03</a:t>
+              <a:t>2024-04-04</a:t>
             </a:fld>
             <a:endParaRPr lang="sv-SE"/>
           </a:p>
@@ -1006,7 +1020,7 @@
           <a:p>
             <a:fld id="{73E9D3E8-16BB-48D3-9B59-E0E4BD4FAD3C}" type="datetimeFigureOut">
               <a:rPr lang="sv-SE" smtClean="0"/>
-              <a:t>2024-04-03</a:t>
+              <a:t>2024-04-04</a:t>
             </a:fld>
             <a:endParaRPr lang="sv-SE"/>
           </a:p>
@@ -1238,7 +1252,7 @@
           <a:p>
             <a:fld id="{73E9D3E8-16BB-48D3-9B59-E0E4BD4FAD3C}" type="datetimeFigureOut">
               <a:rPr lang="sv-SE" smtClean="0"/>
-              <a:t>2024-04-03</a:t>
+              <a:t>2024-04-04</a:t>
             </a:fld>
             <a:endParaRPr lang="sv-SE"/>
           </a:p>
@@ -1605,7 +1619,7 @@
           <a:p>
             <a:fld id="{73E9D3E8-16BB-48D3-9B59-E0E4BD4FAD3C}" type="datetimeFigureOut">
               <a:rPr lang="sv-SE" smtClean="0"/>
-              <a:t>2024-04-03</a:t>
+              <a:t>2024-04-04</a:t>
             </a:fld>
             <a:endParaRPr lang="sv-SE"/>
           </a:p>
@@ -1723,7 +1737,7 @@
           <a:p>
             <a:fld id="{73E9D3E8-16BB-48D3-9B59-E0E4BD4FAD3C}" type="datetimeFigureOut">
               <a:rPr lang="sv-SE" smtClean="0"/>
-              <a:t>2024-04-03</a:t>
+              <a:t>2024-04-04</a:t>
             </a:fld>
             <a:endParaRPr lang="sv-SE"/>
           </a:p>
@@ -1818,7 +1832,7 @@
           <a:p>
             <a:fld id="{73E9D3E8-16BB-48D3-9B59-E0E4BD4FAD3C}" type="datetimeFigureOut">
               <a:rPr lang="sv-SE" smtClean="0"/>
-              <a:t>2024-04-03</a:t>
+              <a:t>2024-04-04</a:t>
             </a:fld>
             <a:endParaRPr lang="sv-SE"/>
           </a:p>
@@ -2095,7 +2109,7 @@
           <a:p>
             <a:fld id="{73E9D3E8-16BB-48D3-9B59-E0E4BD4FAD3C}" type="datetimeFigureOut">
               <a:rPr lang="sv-SE" smtClean="0"/>
-              <a:t>2024-04-03</a:t>
+              <a:t>2024-04-04</a:t>
             </a:fld>
             <a:endParaRPr lang="sv-SE"/>
           </a:p>
@@ -2348,7 +2362,7 @@
           <a:p>
             <a:fld id="{73E9D3E8-16BB-48D3-9B59-E0E4BD4FAD3C}" type="datetimeFigureOut">
               <a:rPr lang="sv-SE" smtClean="0"/>
-              <a:t>2024-04-03</a:t>
+              <a:t>2024-04-04</a:t>
             </a:fld>
             <a:endParaRPr lang="sv-SE"/>
           </a:p>
@@ -2561,7 +2575,7 @@
           <a:p>
             <a:fld id="{73E9D3E8-16BB-48D3-9B59-E0E4BD4FAD3C}" type="datetimeFigureOut">
               <a:rPr lang="sv-SE" smtClean="0"/>
-              <a:t>2024-04-03</a:t>
+              <a:t>2024-04-04</a:t>
             </a:fld>
             <a:endParaRPr lang="sv-SE"/>
           </a:p>
@@ -2989,6 +3003,48 @@
           </a:p>
         </p:txBody>
       </p:sp>
+      <p:sp>
+        <p:nvSpPr>
+          <p:cNvPr id="2" name="Platshållare för innehåll 1"/>
+          <p:cNvSpPr>
+            <a:spLocks noGrp="1"/>
+          </p:cNvSpPr>
+          <p:nvPr>
+            <p:ph idx="1"/>
+          </p:nvPr>
+        </p:nvSpPr>
+        <p:spPr>
+          <a:xfrm>
+            <a:off x="838200" y="1825625"/>
+            <a:ext cx="10515600" cy="3145386"/>
+          </a:xfrm>
+        </p:spPr>
+        <p:txBody>
+          <a:bodyPr/>
+          <a:lstStyle/>
+          <a:p>
+            <a:r>
+              <a:rPr lang="sv-SE" dirty="0" smtClean="0"/>
+              <a:t>Behåller flera olika moduler</a:t>
+            </a:r>
+          </a:p>
+          <a:p>
+            <a:r>
+              <a:rPr lang="sv-SE" dirty="0" smtClean="0"/>
+              <a:t>Finns på toppen av hemsidan</a:t>
+            </a:r>
+          </a:p>
+          <a:p>
+            <a:r>
+              <a:rPr lang="sv-SE" dirty="0" smtClean="0"/>
+              <a:t>Används primärt som en navigations hjälp</a:t>
+            </a:r>
+          </a:p>
+          <a:p>
+            <a:endParaRPr lang="sv-SE" dirty="0"/>
+          </a:p>
+        </p:txBody>
+      </p:sp>
       <p:pic>
         <p:nvPicPr>
           <p:cNvPr id="5" name="Bildobjekt 4"/>
@@ -3005,7 +3061,7 @@
         </p:blipFill>
         <p:spPr>
           <a:xfrm>
-            <a:off x="696607" y="3067921"/>
+            <a:off x="696607" y="5137790"/>
             <a:ext cx="10657193" cy="1357246"/>
           </a:xfrm>
           <a:prstGeom prst="rect">
@@ -3023,6 +3079,1015 @@
   <p:clrMapOvr>
     <a:masterClrMapping/>
   </p:clrMapOvr>
+  <p:timing>
+    <p:tnLst>
+      <p:par>
+        <p:cTn id="1" dur="indefinite" restart="never" nodeType="tmRoot"/>
+      </p:par>
+    </p:tnLst>
+  </p:timing>
+</p:sld>
+</file>
+
+<file path=ppt/slides/slide10.xml><?xml version="1.0" encoding="utf-8"?>
+<p:sld xmlns:a="http://schemas.openxmlformats.org/drawingml/2006/main" xmlns:r="http://schemas.openxmlformats.org/officeDocument/2006/relationships" xmlns:p="http://schemas.openxmlformats.org/presentationml/2006/main">
+  <p:cSld>
+    <p:spTree>
+      <p:nvGrpSpPr>
+        <p:cNvPr id="1" name=""/>
+        <p:cNvGrpSpPr/>
+        <p:nvPr/>
+      </p:nvGrpSpPr>
+      <p:grpSpPr>
+        <a:xfrm>
+          <a:off x="0" y="0"/>
+          <a:ext cx="0" cy="0"/>
+          <a:chOff x="0" y="0"/>
+          <a:chExt cx="0" cy="0"/>
+        </a:xfrm>
+      </p:grpSpPr>
+      <p:sp>
+        <p:nvSpPr>
+          <p:cNvPr id="2" name="Rubrik 1"/>
+          <p:cNvSpPr>
+            <a:spLocks noGrp="1"/>
+          </p:cNvSpPr>
+          <p:nvPr>
+            <p:ph type="title"/>
+          </p:nvPr>
+        </p:nvSpPr>
+        <p:spPr/>
+        <p:txBody>
+          <a:bodyPr/>
+          <a:lstStyle/>
+          <a:p>
+            <a:r>
+              <a:rPr lang="sv-SE" dirty="0" smtClean="0"/>
+              <a:t>Anledning till slider</a:t>
+            </a:r>
+            <a:endParaRPr lang="sv-SE" dirty="0"/>
+          </a:p>
+        </p:txBody>
+      </p:sp>
+      <p:sp>
+        <p:nvSpPr>
+          <p:cNvPr id="3" name="Platshållare för innehåll 2"/>
+          <p:cNvSpPr>
+            <a:spLocks noGrp="1"/>
+          </p:cNvSpPr>
+          <p:nvPr>
+            <p:ph idx="1"/>
+          </p:nvPr>
+        </p:nvSpPr>
+        <p:spPr/>
+        <p:txBody>
+          <a:bodyPr/>
+          <a:lstStyle/>
+          <a:p>
+            <a:r>
+              <a:rPr lang="sv-SE" dirty="0" smtClean="0"/>
+              <a:t>Kampanj och rekommenderade produkter</a:t>
+            </a:r>
+          </a:p>
+          <a:p>
+            <a:r>
+              <a:rPr lang="sv-SE" dirty="0" smtClean="0"/>
+              <a:t>Visar en mängd information utan att scrolla ner</a:t>
+            </a:r>
+          </a:p>
+          <a:p>
+            <a:r>
+              <a:rPr lang="sv-SE" dirty="0" smtClean="0"/>
+              <a:t> Kan användas som en navigation</a:t>
+            </a:r>
+          </a:p>
+          <a:p>
+            <a:endParaRPr lang="sv-SE" dirty="0" smtClean="0"/>
+          </a:p>
+          <a:p>
+            <a:endParaRPr lang="sv-SE" dirty="0"/>
+          </a:p>
+        </p:txBody>
+      </p:sp>
+    </p:spTree>
+    <p:extLst>
+      <p:ext uri="{BB962C8B-B14F-4D97-AF65-F5344CB8AC3E}">
+        <p14:creationId xmlns:p14="http://schemas.microsoft.com/office/powerpoint/2010/main" val="4038167214"/>
+      </p:ext>
+    </p:extLst>
+  </p:cSld>
+  <p:clrMapOvr>
+    <a:masterClrMapping/>
+  </p:clrMapOvr>
+  <p:timing>
+    <p:tnLst>
+      <p:par>
+        <p:cTn id="1" dur="indefinite" restart="never" nodeType="tmRoot"/>
+      </p:par>
+    </p:tnLst>
+  </p:timing>
+</p:sld>
+</file>
+
+<file path=ppt/slides/slide11.xml><?xml version="1.0" encoding="utf-8"?>
+<p:sld xmlns:a="http://schemas.openxmlformats.org/drawingml/2006/main" xmlns:r="http://schemas.openxmlformats.org/officeDocument/2006/relationships" xmlns:p="http://schemas.openxmlformats.org/presentationml/2006/main">
+  <p:cSld>
+    <p:spTree>
+      <p:nvGrpSpPr>
+        <p:cNvPr id="1" name=""/>
+        <p:cNvGrpSpPr/>
+        <p:nvPr/>
+      </p:nvGrpSpPr>
+      <p:grpSpPr>
+        <a:xfrm>
+          <a:off x="0" y="0"/>
+          <a:ext cx="0" cy="0"/>
+          <a:chOff x="0" y="0"/>
+          <a:chExt cx="0" cy="0"/>
+        </a:xfrm>
+      </p:grpSpPr>
+      <p:sp>
+        <p:nvSpPr>
+          <p:cNvPr id="2" name="Rubrik 1"/>
+          <p:cNvSpPr>
+            <a:spLocks noGrp="1"/>
+          </p:cNvSpPr>
+          <p:nvPr>
+            <p:ph type="title"/>
+          </p:nvPr>
+        </p:nvSpPr>
+        <p:spPr/>
+        <p:txBody>
+          <a:bodyPr/>
+          <a:lstStyle/>
+          <a:p>
+            <a:r>
+              <a:rPr lang="sv-SE" dirty="0" smtClean="0"/>
+              <a:t>Cookies</a:t>
+            </a:r>
+            <a:endParaRPr lang="sv-SE" dirty="0"/>
+          </a:p>
+        </p:txBody>
+      </p:sp>
+      <p:sp>
+        <p:nvSpPr>
+          <p:cNvPr id="3" name="Platshållare för innehåll 2"/>
+          <p:cNvSpPr>
+            <a:spLocks noGrp="1"/>
+          </p:cNvSpPr>
+          <p:nvPr>
+            <p:ph idx="1"/>
+          </p:nvPr>
+        </p:nvSpPr>
+        <p:spPr>
+          <a:xfrm>
+            <a:off x="838200" y="1825625"/>
+            <a:ext cx="5296593" cy="4351338"/>
+          </a:xfrm>
+        </p:spPr>
+        <p:txBody>
+          <a:bodyPr/>
+          <a:lstStyle/>
+          <a:p>
+            <a:r>
+              <a:rPr lang="sv-SE" dirty="0" smtClean="0"/>
+              <a:t>Information som behålls i din sida av hemsidan</a:t>
+            </a:r>
+          </a:p>
+          <a:p>
+            <a:r>
+              <a:rPr lang="sv-SE" dirty="0" smtClean="0"/>
+              <a:t>Används för att spara information när du navigerar igenom hemsidan och när du lämnar den</a:t>
+            </a:r>
+          </a:p>
+          <a:p>
+            <a:endParaRPr lang="sv-SE" dirty="0" smtClean="0"/>
+          </a:p>
+        </p:txBody>
+      </p:sp>
+      <p:pic>
+        <p:nvPicPr>
+          <p:cNvPr id="4" name="Bildobjekt 3"/>
+          <p:cNvPicPr>
+            <a:picLocks noChangeAspect="1"/>
+          </p:cNvPicPr>
+          <p:nvPr/>
+        </p:nvPicPr>
+        <p:blipFill>
+          <a:blip r:embed="rId2"/>
+          <a:stretch>
+            <a:fillRect/>
+          </a:stretch>
+        </p:blipFill>
+        <p:spPr>
+          <a:xfrm>
+            <a:off x="6298938" y="768321"/>
+            <a:ext cx="5750516" cy="2114608"/>
+          </a:xfrm>
+          <a:prstGeom prst="rect">
+            <a:avLst/>
+          </a:prstGeom>
+        </p:spPr>
+      </p:pic>
+      <p:pic>
+        <p:nvPicPr>
+          <p:cNvPr id="5" name="Bildobjekt 4"/>
+          <p:cNvPicPr>
+            <a:picLocks noChangeAspect="1"/>
+          </p:cNvPicPr>
+          <p:nvPr/>
+        </p:nvPicPr>
+        <p:blipFill>
+          <a:blip r:embed="rId3"/>
+          <a:stretch>
+            <a:fillRect/>
+          </a:stretch>
+        </p:blipFill>
+        <p:spPr>
+          <a:xfrm>
+            <a:off x="6298938" y="3410486"/>
+            <a:ext cx="5750515" cy="1829005"/>
+          </a:xfrm>
+          <a:prstGeom prst="rect">
+            <a:avLst/>
+          </a:prstGeom>
+        </p:spPr>
+      </p:pic>
+    </p:spTree>
+    <p:extLst>
+      <p:ext uri="{BB962C8B-B14F-4D97-AF65-F5344CB8AC3E}">
+        <p14:creationId xmlns:p14="http://schemas.microsoft.com/office/powerpoint/2010/main" val="3849933735"/>
+      </p:ext>
+    </p:extLst>
+  </p:cSld>
+  <p:clrMapOvr>
+    <a:masterClrMapping/>
+  </p:clrMapOvr>
+  <p:timing>
+    <p:tnLst>
+      <p:par>
+        <p:cTn id="1" dur="indefinite" restart="never" nodeType="tmRoot"/>
+      </p:par>
+    </p:tnLst>
+  </p:timing>
+</p:sld>
+</file>
+
+<file path=ppt/slides/slide12.xml><?xml version="1.0" encoding="utf-8"?>
+<p:sld xmlns:a="http://schemas.openxmlformats.org/drawingml/2006/main" xmlns:r="http://schemas.openxmlformats.org/officeDocument/2006/relationships" xmlns:p="http://schemas.openxmlformats.org/presentationml/2006/main">
+  <p:cSld>
+    <p:spTree>
+      <p:nvGrpSpPr>
+        <p:cNvPr id="1" name=""/>
+        <p:cNvGrpSpPr/>
+        <p:nvPr/>
+      </p:nvGrpSpPr>
+      <p:grpSpPr>
+        <a:xfrm>
+          <a:off x="0" y="0"/>
+          <a:ext cx="0" cy="0"/>
+          <a:chOff x="0" y="0"/>
+          <a:chExt cx="0" cy="0"/>
+        </a:xfrm>
+      </p:grpSpPr>
+      <p:pic>
+        <p:nvPicPr>
+          <p:cNvPr id="4" name="Bildobjekt 3"/>
+          <p:cNvPicPr>
+            <a:picLocks noChangeAspect="1"/>
+          </p:cNvPicPr>
+          <p:nvPr/>
+        </p:nvPicPr>
+        <p:blipFill>
+          <a:blip r:embed="rId2"/>
+          <a:stretch>
+            <a:fillRect/>
+          </a:stretch>
+        </p:blipFill>
+        <p:spPr>
+          <a:xfrm>
+            <a:off x="2675723" y="3640976"/>
+            <a:ext cx="722772" cy="518093"/>
+          </a:xfrm>
+          <a:prstGeom prst="rect">
+            <a:avLst/>
+          </a:prstGeom>
+        </p:spPr>
+      </p:pic>
+      <p:pic>
+        <p:nvPicPr>
+          <p:cNvPr id="6" name="Bildobjekt 5"/>
+          <p:cNvPicPr>
+            <a:picLocks noChangeAspect="1"/>
+          </p:cNvPicPr>
+          <p:nvPr/>
+        </p:nvPicPr>
+        <p:blipFill>
+          <a:blip r:embed="rId3"/>
+          <a:stretch>
+            <a:fillRect/>
+          </a:stretch>
+        </p:blipFill>
+        <p:spPr>
+          <a:xfrm>
+            <a:off x="3627840" y="3647979"/>
+            <a:ext cx="348605" cy="511090"/>
+          </a:xfrm>
+          <a:prstGeom prst="rect">
+            <a:avLst/>
+          </a:prstGeom>
+        </p:spPr>
+      </p:pic>
+      <p:sp>
+        <p:nvSpPr>
+          <p:cNvPr id="7" name="textruta 6"/>
+          <p:cNvSpPr txBox="1"/>
+          <p:nvPr/>
+        </p:nvSpPr>
+        <p:spPr>
+          <a:xfrm>
+            <a:off x="2675723" y="4281055"/>
+            <a:ext cx="1300721" cy="276999"/>
+          </a:xfrm>
+          <a:prstGeom prst="rect">
+            <a:avLst/>
+          </a:prstGeom>
+          <a:noFill/>
+        </p:spPr>
+        <p:txBody>
+          <a:bodyPr wrap="square" rtlCol="0">
+            <a:spAutoFit/>
+          </a:bodyPr>
+          <a:lstStyle/>
+          <a:p>
+            <a:pPr algn="ctr"/>
+            <a:r>
+              <a:rPr lang="sv-SE" sz="1200" dirty="0" smtClean="0"/>
+              <a:t>Enhet</a:t>
+            </a:r>
+            <a:endParaRPr lang="sv-SE" sz="1200" dirty="0"/>
+          </a:p>
+        </p:txBody>
+      </p:sp>
+      <p:pic>
+        <p:nvPicPr>
+          <p:cNvPr id="8" name="Bildobjekt 7"/>
+          <p:cNvPicPr>
+            <a:picLocks noChangeAspect="1"/>
+          </p:cNvPicPr>
+          <p:nvPr/>
+        </p:nvPicPr>
+        <p:blipFill>
+          <a:blip r:embed="rId4"/>
+          <a:stretch>
+            <a:fillRect/>
+          </a:stretch>
+        </p:blipFill>
+        <p:spPr>
+          <a:xfrm>
+            <a:off x="6010104" y="3560606"/>
+            <a:ext cx="761510" cy="678831"/>
+          </a:xfrm>
+          <a:prstGeom prst="rect">
+            <a:avLst/>
+          </a:prstGeom>
+        </p:spPr>
+      </p:pic>
+      <p:sp>
+        <p:nvSpPr>
+          <p:cNvPr id="9" name="textruta 8"/>
+          <p:cNvSpPr txBox="1"/>
+          <p:nvPr/>
+        </p:nvSpPr>
+        <p:spPr>
+          <a:xfrm>
+            <a:off x="6010104" y="4281055"/>
+            <a:ext cx="761510" cy="276999"/>
+          </a:xfrm>
+          <a:prstGeom prst="rect">
+            <a:avLst/>
+          </a:prstGeom>
+          <a:noFill/>
+        </p:spPr>
+        <p:txBody>
+          <a:bodyPr wrap="square" rtlCol="0">
+            <a:spAutoFit/>
+          </a:bodyPr>
+          <a:lstStyle/>
+          <a:p>
+            <a:pPr algn="ctr"/>
+            <a:r>
+              <a:rPr lang="sv-SE" sz="1200" dirty="0" smtClean="0"/>
+              <a:t>Browser</a:t>
+            </a:r>
+            <a:endParaRPr lang="sv-SE" sz="1200" dirty="0"/>
+          </a:p>
+        </p:txBody>
+      </p:sp>
+      <p:pic>
+        <p:nvPicPr>
+          <p:cNvPr id="14" name="Bildobjekt 13"/>
+          <p:cNvPicPr>
+            <a:picLocks noChangeAspect="1"/>
+          </p:cNvPicPr>
+          <p:nvPr/>
+        </p:nvPicPr>
+        <p:blipFill>
+          <a:blip r:embed="rId5"/>
+          <a:stretch>
+            <a:fillRect/>
+          </a:stretch>
+        </p:blipFill>
+        <p:spPr>
+          <a:xfrm>
+            <a:off x="4592512" y="1920241"/>
+            <a:ext cx="731125" cy="642119"/>
+          </a:xfrm>
+          <a:prstGeom prst="rect">
+            <a:avLst/>
+          </a:prstGeom>
+        </p:spPr>
+      </p:pic>
+      <p:sp>
+        <p:nvSpPr>
+          <p:cNvPr id="15" name="textruta 14"/>
+          <p:cNvSpPr txBox="1"/>
+          <p:nvPr/>
+        </p:nvSpPr>
+        <p:spPr>
+          <a:xfrm>
+            <a:off x="4592511" y="2626822"/>
+            <a:ext cx="731125" cy="276999"/>
+          </a:xfrm>
+          <a:prstGeom prst="rect">
+            <a:avLst/>
+          </a:prstGeom>
+          <a:noFill/>
+        </p:spPr>
+        <p:txBody>
+          <a:bodyPr wrap="square" rtlCol="0">
+            <a:spAutoFit/>
+          </a:bodyPr>
+          <a:lstStyle/>
+          <a:p>
+            <a:pPr algn="ctr"/>
+            <a:r>
+              <a:rPr lang="sv-SE" sz="1200" dirty="0" smtClean="0"/>
+              <a:t>Cookies</a:t>
+            </a:r>
+            <a:endParaRPr lang="sv-SE" sz="1200" dirty="0"/>
+          </a:p>
+        </p:txBody>
+      </p:sp>
+      <p:cxnSp>
+        <p:nvCxnSpPr>
+          <p:cNvPr id="17" name="Rak pilkoppling 16"/>
+          <p:cNvCxnSpPr/>
+          <p:nvPr/>
+        </p:nvCxnSpPr>
+        <p:spPr>
+          <a:xfrm flipV="1">
+            <a:off x="4197928" y="4064925"/>
+            <a:ext cx="1620982" cy="8313"/>
+          </a:xfrm>
+          <a:prstGeom prst="straightConnector1">
+            <a:avLst/>
+          </a:prstGeom>
+          <a:ln>
+            <a:tailEnd type="triangle"/>
+          </a:ln>
+        </p:spPr>
+        <p:style>
+          <a:lnRef idx="1">
+            <a:schemeClr val="accent1"/>
+          </a:lnRef>
+          <a:fillRef idx="0">
+            <a:schemeClr val="accent1"/>
+          </a:fillRef>
+          <a:effectRef idx="0">
+            <a:schemeClr val="accent1"/>
+          </a:effectRef>
+          <a:fontRef idx="minor">
+            <a:schemeClr val="tx1"/>
+          </a:fontRef>
+        </p:style>
+      </p:cxnSp>
+      <p:cxnSp>
+        <p:nvCxnSpPr>
+          <p:cNvPr id="19" name="Rak pilkoppling 18"/>
+          <p:cNvCxnSpPr/>
+          <p:nvPr/>
+        </p:nvCxnSpPr>
+        <p:spPr>
+          <a:xfrm flipH="1" flipV="1">
+            <a:off x="4197928" y="3765667"/>
+            <a:ext cx="1620982" cy="16625"/>
+          </a:xfrm>
+          <a:prstGeom prst="straightConnector1">
+            <a:avLst/>
+          </a:prstGeom>
+          <a:ln>
+            <a:tailEnd type="triangle"/>
+          </a:ln>
+        </p:spPr>
+        <p:style>
+          <a:lnRef idx="1">
+            <a:schemeClr val="accent1"/>
+          </a:lnRef>
+          <a:fillRef idx="0">
+            <a:schemeClr val="accent1"/>
+          </a:fillRef>
+          <a:effectRef idx="0">
+            <a:schemeClr val="accent1"/>
+          </a:effectRef>
+          <a:fontRef idx="minor">
+            <a:schemeClr val="tx1"/>
+          </a:fontRef>
+        </p:style>
+      </p:cxnSp>
+      <p:cxnSp>
+        <p:nvCxnSpPr>
+          <p:cNvPr id="21" name="Rak pilkoppling 20"/>
+          <p:cNvCxnSpPr/>
+          <p:nvPr/>
+        </p:nvCxnSpPr>
+        <p:spPr>
+          <a:xfrm flipV="1">
+            <a:off x="3627840" y="2751514"/>
+            <a:ext cx="811157" cy="809092"/>
+          </a:xfrm>
+          <a:prstGeom prst="straightConnector1">
+            <a:avLst/>
+          </a:prstGeom>
+          <a:ln>
+            <a:tailEnd type="triangle"/>
+          </a:ln>
+        </p:spPr>
+        <p:style>
+          <a:lnRef idx="1">
+            <a:schemeClr val="accent1"/>
+          </a:lnRef>
+          <a:fillRef idx="0">
+            <a:schemeClr val="accent1"/>
+          </a:fillRef>
+          <a:effectRef idx="0">
+            <a:schemeClr val="accent1"/>
+          </a:effectRef>
+          <a:fontRef idx="minor">
+            <a:schemeClr val="tx1"/>
+          </a:fontRef>
+        </p:style>
+      </p:cxnSp>
+      <p:cxnSp>
+        <p:nvCxnSpPr>
+          <p:cNvPr id="23" name="Rak pilkoppling 22"/>
+          <p:cNvCxnSpPr/>
+          <p:nvPr/>
+        </p:nvCxnSpPr>
+        <p:spPr>
+          <a:xfrm>
+            <a:off x="5411586" y="2626822"/>
+            <a:ext cx="681644" cy="806336"/>
+          </a:xfrm>
+          <a:prstGeom prst="straightConnector1">
+            <a:avLst/>
+          </a:prstGeom>
+          <a:ln>
+            <a:tailEnd type="triangle"/>
+          </a:ln>
+        </p:spPr>
+        <p:style>
+          <a:lnRef idx="1">
+            <a:schemeClr val="accent1"/>
+          </a:lnRef>
+          <a:fillRef idx="0">
+            <a:schemeClr val="accent1"/>
+          </a:fillRef>
+          <a:effectRef idx="0">
+            <a:schemeClr val="accent1"/>
+          </a:effectRef>
+          <a:fontRef idx="minor">
+            <a:schemeClr val="tx1"/>
+          </a:fontRef>
+        </p:style>
+      </p:cxnSp>
+      <p:cxnSp>
+        <p:nvCxnSpPr>
+          <p:cNvPr id="25" name="Rak pilkoppling 24"/>
+          <p:cNvCxnSpPr/>
+          <p:nvPr/>
+        </p:nvCxnSpPr>
+        <p:spPr>
+          <a:xfrm flipH="1" flipV="1">
+            <a:off x="5544590" y="2502132"/>
+            <a:ext cx="723207" cy="872837"/>
+          </a:xfrm>
+          <a:prstGeom prst="straightConnector1">
+            <a:avLst/>
+          </a:prstGeom>
+          <a:ln>
+            <a:tailEnd type="triangle"/>
+          </a:ln>
+        </p:spPr>
+        <p:style>
+          <a:lnRef idx="1">
+            <a:schemeClr val="accent1"/>
+          </a:lnRef>
+          <a:fillRef idx="0">
+            <a:schemeClr val="accent1"/>
+          </a:fillRef>
+          <a:effectRef idx="0">
+            <a:schemeClr val="accent1"/>
+          </a:effectRef>
+          <a:fontRef idx="minor">
+            <a:schemeClr val="tx1"/>
+          </a:fontRef>
+        </p:style>
+      </p:cxnSp>
+      <p:sp>
+        <p:nvSpPr>
+          <p:cNvPr id="26" name="textruta 25"/>
+          <p:cNvSpPr txBox="1"/>
+          <p:nvPr/>
+        </p:nvSpPr>
+        <p:spPr>
+          <a:xfrm>
+            <a:off x="4653342" y="4173333"/>
+            <a:ext cx="609462" cy="246221"/>
+          </a:xfrm>
+          <a:prstGeom prst="rect">
+            <a:avLst/>
+          </a:prstGeom>
+          <a:noFill/>
+        </p:spPr>
+        <p:txBody>
+          <a:bodyPr wrap="none" rtlCol="0">
+            <a:spAutoFit/>
+          </a:bodyPr>
+          <a:lstStyle/>
+          <a:p>
+            <a:r>
+              <a:rPr lang="sv-SE" sz="1000" dirty="0" err="1" smtClean="0"/>
+              <a:t>Request</a:t>
+            </a:r>
+            <a:endParaRPr lang="sv-SE" sz="1000" dirty="0"/>
+          </a:p>
+        </p:txBody>
+      </p:sp>
+      <p:sp>
+        <p:nvSpPr>
+          <p:cNvPr id="27" name="textruta 26"/>
+          <p:cNvSpPr txBox="1"/>
+          <p:nvPr/>
+        </p:nvSpPr>
+        <p:spPr>
+          <a:xfrm>
+            <a:off x="4704638" y="3501240"/>
+            <a:ext cx="506870" cy="246221"/>
+          </a:xfrm>
+          <a:prstGeom prst="rect">
+            <a:avLst/>
+          </a:prstGeom>
+          <a:noFill/>
+        </p:spPr>
+        <p:txBody>
+          <a:bodyPr wrap="none" rtlCol="0">
+            <a:spAutoFit/>
+          </a:bodyPr>
+          <a:lstStyle/>
+          <a:p>
+            <a:r>
+              <a:rPr lang="sv-SE" sz="1000" dirty="0" err="1" smtClean="0"/>
+              <a:t>Result</a:t>
+            </a:r>
+            <a:endParaRPr lang="sv-SE" sz="1000" dirty="0"/>
+          </a:p>
+        </p:txBody>
+      </p:sp>
+      <p:sp>
+        <p:nvSpPr>
+          <p:cNvPr id="29" name="textruta 28"/>
+          <p:cNvSpPr txBox="1"/>
+          <p:nvPr/>
+        </p:nvSpPr>
+        <p:spPr>
+          <a:xfrm>
+            <a:off x="5906193" y="2679861"/>
+            <a:ext cx="609462" cy="246221"/>
+          </a:xfrm>
+          <a:prstGeom prst="rect">
+            <a:avLst/>
+          </a:prstGeom>
+          <a:noFill/>
+        </p:spPr>
+        <p:txBody>
+          <a:bodyPr wrap="none" rtlCol="0">
+            <a:spAutoFit/>
+          </a:bodyPr>
+          <a:lstStyle/>
+          <a:p>
+            <a:r>
+              <a:rPr lang="sv-SE" sz="1000" dirty="0" err="1" smtClean="0"/>
+              <a:t>Request</a:t>
+            </a:r>
+            <a:endParaRPr lang="sv-SE" sz="1000" dirty="0"/>
+          </a:p>
+        </p:txBody>
+      </p:sp>
+      <p:sp>
+        <p:nvSpPr>
+          <p:cNvPr id="30" name="textruta 29"/>
+          <p:cNvSpPr txBox="1"/>
+          <p:nvPr/>
+        </p:nvSpPr>
+        <p:spPr>
+          <a:xfrm>
+            <a:off x="5323636" y="3029990"/>
+            <a:ext cx="559769" cy="400110"/>
+          </a:xfrm>
+          <a:prstGeom prst="rect">
+            <a:avLst/>
+          </a:prstGeom>
+          <a:noFill/>
+        </p:spPr>
+        <p:txBody>
+          <a:bodyPr wrap="none" rtlCol="0">
+            <a:spAutoFit/>
+          </a:bodyPr>
+          <a:lstStyle/>
+          <a:p>
+            <a:pPr algn="ctr"/>
+            <a:r>
+              <a:rPr lang="sv-SE" sz="1000" dirty="0" err="1" smtClean="0"/>
+              <a:t>Stored</a:t>
+            </a:r>
+            <a:r>
+              <a:rPr lang="sv-SE" sz="1000" dirty="0" smtClean="0"/>
+              <a:t> </a:t>
+            </a:r>
+          </a:p>
+          <a:p>
+            <a:pPr algn="ctr"/>
+            <a:r>
+              <a:rPr lang="sv-SE" sz="1000" dirty="0" smtClean="0"/>
+              <a:t>Info</a:t>
+            </a:r>
+            <a:endParaRPr lang="sv-SE" sz="1000" dirty="0"/>
+          </a:p>
+        </p:txBody>
+      </p:sp>
+      <p:sp>
+        <p:nvSpPr>
+          <p:cNvPr id="31" name="textruta 30"/>
+          <p:cNvSpPr txBox="1"/>
+          <p:nvPr/>
+        </p:nvSpPr>
+        <p:spPr>
+          <a:xfrm>
+            <a:off x="3388152" y="2840722"/>
+            <a:ext cx="805029" cy="246221"/>
+          </a:xfrm>
+          <a:prstGeom prst="rect">
+            <a:avLst/>
+          </a:prstGeom>
+          <a:noFill/>
+        </p:spPr>
+        <p:txBody>
+          <a:bodyPr wrap="none" rtlCol="0">
+            <a:spAutoFit/>
+          </a:bodyPr>
+          <a:lstStyle/>
+          <a:p>
+            <a:r>
+              <a:rPr lang="sv-SE" sz="1000" dirty="0" smtClean="0"/>
+              <a:t>Information</a:t>
+            </a:r>
+            <a:endParaRPr lang="sv-SE" sz="1000" dirty="0"/>
+          </a:p>
+        </p:txBody>
+      </p:sp>
+      <p:pic>
+        <p:nvPicPr>
+          <p:cNvPr id="32" name="Bildobjekt 31"/>
+          <p:cNvPicPr>
+            <a:picLocks noChangeAspect="1"/>
+          </p:cNvPicPr>
+          <p:nvPr/>
+        </p:nvPicPr>
+        <p:blipFill>
+          <a:blip r:embed="rId6"/>
+          <a:stretch>
+            <a:fillRect/>
+          </a:stretch>
+        </p:blipFill>
+        <p:spPr>
+          <a:xfrm>
+            <a:off x="8117956" y="4558053"/>
+            <a:ext cx="1265267" cy="1172859"/>
+          </a:xfrm>
+          <a:prstGeom prst="rect">
+            <a:avLst/>
+          </a:prstGeom>
+        </p:spPr>
+      </p:pic>
+      <p:sp>
+        <p:nvSpPr>
+          <p:cNvPr id="33" name="textruta 32"/>
+          <p:cNvSpPr txBox="1"/>
+          <p:nvPr/>
+        </p:nvSpPr>
+        <p:spPr>
+          <a:xfrm>
+            <a:off x="8117955" y="5802286"/>
+            <a:ext cx="1265267" cy="276999"/>
+          </a:xfrm>
+          <a:prstGeom prst="rect">
+            <a:avLst/>
+          </a:prstGeom>
+          <a:noFill/>
+        </p:spPr>
+        <p:txBody>
+          <a:bodyPr wrap="square" rtlCol="0">
+            <a:spAutoFit/>
+          </a:bodyPr>
+          <a:lstStyle/>
+          <a:p>
+            <a:pPr algn="ctr"/>
+            <a:r>
+              <a:rPr lang="sv-SE" sz="1200" dirty="0" smtClean="0"/>
+              <a:t>Server/Back-end</a:t>
+            </a:r>
+            <a:endParaRPr lang="sv-SE" sz="1200" dirty="0"/>
+          </a:p>
+        </p:txBody>
+      </p:sp>
+      <p:cxnSp>
+        <p:nvCxnSpPr>
+          <p:cNvPr id="35" name="Rak pilkoppling 34"/>
+          <p:cNvCxnSpPr/>
+          <p:nvPr/>
+        </p:nvCxnSpPr>
+        <p:spPr>
+          <a:xfrm>
+            <a:off x="6858001" y="4281055"/>
+            <a:ext cx="1080654" cy="723208"/>
+          </a:xfrm>
+          <a:prstGeom prst="straightConnector1">
+            <a:avLst/>
+          </a:prstGeom>
+          <a:ln>
+            <a:tailEnd type="triangle"/>
+          </a:ln>
+        </p:spPr>
+        <p:style>
+          <a:lnRef idx="1">
+            <a:schemeClr val="accent1"/>
+          </a:lnRef>
+          <a:fillRef idx="0">
+            <a:schemeClr val="accent1"/>
+          </a:fillRef>
+          <a:effectRef idx="0">
+            <a:schemeClr val="accent1"/>
+          </a:effectRef>
+          <a:fontRef idx="minor">
+            <a:schemeClr val="tx1"/>
+          </a:fontRef>
+        </p:style>
+      </p:cxnSp>
+      <p:cxnSp>
+        <p:nvCxnSpPr>
+          <p:cNvPr id="37" name="Rak pilkoppling 36"/>
+          <p:cNvCxnSpPr/>
+          <p:nvPr/>
+        </p:nvCxnSpPr>
+        <p:spPr>
+          <a:xfrm flipH="1" flipV="1">
+            <a:off x="6949441" y="4073238"/>
+            <a:ext cx="1047403" cy="731520"/>
+          </a:xfrm>
+          <a:prstGeom prst="straightConnector1">
+            <a:avLst/>
+          </a:prstGeom>
+          <a:ln>
+            <a:tailEnd type="triangle"/>
+          </a:ln>
+        </p:spPr>
+        <p:style>
+          <a:lnRef idx="1">
+            <a:schemeClr val="accent1"/>
+          </a:lnRef>
+          <a:fillRef idx="0">
+            <a:schemeClr val="accent1"/>
+          </a:fillRef>
+          <a:effectRef idx="0">
+            <a:schemeClr val="accent1"/>
+          </a:effectRef>
+          <a:fontRef idx="minor">
+            <a:schemeClr val="tx1"/>
+          </a:fontRef>
+        </p:style>
+      </p:cxnSp>
+      <p:sp>
+        <p:nvSpPr>
+          <p:cNvPr id="39" name="textruta 38"/>
+          <p:cNvSpPr txBox="1"/>
+          <p:nvPr/>
+        </p:nvSpPr>
+        <p:spPr>
+          <a:xfrm>
+            <a:off x="6949441" y="4658289"/>
+            <a:ext cx="609462" cy="246221"/>
+          </a:xfrm>
+          <a:prstGeom prst="rect">
+            <a:avLst/>
+          </a:prstGeom>
+          <a:noFill/>
+        </p:spPr>
+        <p:txBody>
+          <a:bodyPr wrap="none" rtlCol="0">
+            <a:spAutoFit/>
+          </a:bodyPr>
+          <a:lstStyle/>
+          <a:p>
+            <a:r>
+              <a:rPr lang="sv-SE" sz="1000" dirty="0" err="1" smtClean="0"/>
+              <a:t>Request</a:t>
+            </a:r>
+            <a:endParaRPr lang="sv-SE" sz="1000" dirty="0"/>
+          </a:p>
+        </p:txBody>
+      </p:sp>
+      <p:sp>
+        <p:nvSpPr>
+          <p:cNvPr id="40" name="textruta 39"/>
+          <p:cNvSpPr txBox="1"/>
+          <p:nvPr/>
+        </p:nvSpPr>
+        <p:spPr>
+          <a:xfrm>
+            <a:off x="7513234" y="4185049"/>
+            <a:ext cx="506870" cy="246221"/>
+          </a:xfrm>
+          <a:prstGeom prst="rect">
+            <a:avLst/>
+          </a:prstGeom>
+          <a:noFill/>
+        </p:spPr>
+        <p:txBody>
+          <a:bodyPr wrap="none" rtlCol="0">
+            <a:spAutoFit/>
+          </a:bodyPr>
+          <a:lstStyle/>
+          <a:p>
+            <a:r>
+              <a:rPr lang="sv-SE" sz="1000" dirty="0" err="1" smtClean="0"/>
+              <a:t>Result</a:t>
+            </a:r>
+            <a:endParaRPr lang="sv-SE" sz="1000" dirty="0"/>
+          </a:p>
+        </p:txBody>
+      </p:sp>
+      <p:pic>
+        <p:nvPicPr>
+          <p:cNvPr id="41" name="Bildobjekt 40"/>
+          <p:cNvPicPr>
+            <a:picLocks noChangeAspect="1"/>
+          </p:cNvPicPr>
+          <p:nvPr/>
+        </p:nvPicPr>
+        <p:blipFill>
+          <a:blip r:embed="rId7"/>
+          <a:stretch>
+            <a:fillRect/>
+          </a:stretch>
+        </p:blipFill>
+        <p:spPr>
+          <a:xfrm>
+            <a:off x="5368381" y="1636142"/>
+            <a:ext cx="1449697" cy="478799"/>
+          </a:xfrm>
+          <a:prstGeom prst="rect">
+            <a:avLst/>
+          </a:prstGeom>
+        </p:spPr>
+      </p:pic>
+    </p:spTree>
+    <p:extLst>
+      <p:ext uri="{BB962C8B-B14F-4D97-AF65-F5344CB8AC3E}">
+        <p14:creationId xmlns:p14="http://schemas.microsoft.com/office/powerpoint/2010/main" val="3819621041"/>
+      </p:ext>
+    </p:extLst>
+  </p:cSld>
+  <p:clrMapOvr>
+    <a:masterClrMapping/>
+  </p:clrMapOvr>
+  <p:timing>
+    <p:tnLst>
+      <p:par>
+        <p:cTn id="1" dur="indefinite" restart="never" nodeType="tmRoot"/>
+      </p:par>
+    </p:tnLst>
+  </p:timing>
 </p:sld>
 </file>
 
@@ -3064,7 +4129,11 @@
             </a:r>
             <a:r>
               <a:rPr lang="sv-SE" dirty="0" smtClean="0"/>
-              <a:t> innehåll</a:t>
+              <a:t> </a:t>
+            </a:r>
+            <a:r>
+              <a:rPr lang="sv-SE" dirty="0" err="1" smtClean="0"/>
+              <a:t>content</a:t>
             </a:r>
             <a:endParaRPr lang="sv-SE" dirty="0"/>
           </a:p>
@@ -3125,8 +4194,9 @@
           <a:p>
             <a:r>
               <a:rPr lang="sv-SE" dirty="0" smtClean="0"/>
-              <a:t>Logo</a:t>
-            </a:r>
+              <a:t>Logga</a:t>
+            </a:r>
+            <a:endParaRPr lang="sv-SE" dirty="0" smtClean="0"/>
           </a:p>
           <a:p>
             <a:endParaRPr lang="sv-SE" dirty="0" smtClean="0"/>
@@ -3146,6 +4216,13 @@
   <p:clrMapOvr>
     <a:masterClrMapping/>
   </p:clrMapOvr>
+  <p:timing>
+    <p:tnLst>
+      <p:par>
+        <p:cTn id="1" dur="indefinite" restart="never" nodeType="tmRoot"/>
+      </p:par>
+    </p:tnLst>
+  </p:timing>
 </p:sld>
 </file>
 
@@ -3168,6 +4245,151 @@
       </p:grpSpPr>
       <p:sp>
         <p:nvSpPr>
+          <p:cNvPr id="3" name="Rubrik 2"/>
+          <p:cNvSpPr>
+            <a:spLocks noGrp="1"/>
+          </p:cNvSpPr>
+          <p:nvPr>
+            <p:ph type="title"/>
+          </p:nvPr>
+        </p:nvSpPr>
+        <p:spPr/>
+        <p:txBody>
+          <a:bodyPr/>
+          <a:lstStyle/>
+          <a:p>
+            <a:r>
+              <a:rPr lang="sv-SE" dirty="0" smtClean="0"/>
+              <a:t>Varför en </a:t>
+            </a:r>
+            <a:r>
+              <a:rPr lang="sv-SE" dirty="0" err="1" smtClean="0"/>
+              <a:t>header</a:t>
+            </a:r>
+            <a:r>
+              <a:rPr lang="sv-SE" dirty="0" smtClean="0"/>
+              <a:t>?</a:t>
+            </a:r>
+            <a:endParaRPr lang="sv-SE" dirty="0"/>
+          </a:p>
+        </p:txBody>
+      </p:sp>
+      <p:sp>
+        <p:nvSpPr>
+          <p:cNvPr id="4" name="Platshållare för innehåll 3"/>
+          <p:cNvSpPr>
+            <a:spLocks noGrp="1"/>
+          </p:cNvSpPr>
+          <p:nvPr>
+            <p:ph idx="1"/>
+          </p:nvPr>
+        </p:nvSpPr>
+        <p:spPr/>
+        <p:txBody>
+          <a:bodyPr/>
+          <a:lstStyle/>
+          <a:p>
+            <a:r>
+              <a:rPr lang="sv-SE" dirty="0" smtClean="0"/>
+              <a:t>Finns på varje blad</a:t>
+            </a:r>
+          </a:p>
+          <a:p>
+            <a:r>
+              <a:rPr lang="sv-SE" dirty="0" smtClean="0"/>
+              <a:t>Hjälper att navigera dig genom hemsidan</a:t>
+            </a:r>
+          </a:p>
+          <a:p>
+            <a:pPr lvl="1"/>
+            <a:r>
+              <a:rPr lang="sv-SE" dirty="0" smtClean="0"/>
+              <a:t>Navigera genom valda kategorier</a:t>
+            </a:r>
+          </a:p>
+          <a:p>
+            <a:pPr lvl="1"/>
+            <a:r>
+              <a:rPr lang="sv-SE" dirty="0" smtClean="0"/>
+              <a:t>Sök upp produkten</a:t>
+            </a:r>
+          </a:p>
+          <a:p>
+            <a:r>
+              <a:rPr lang="sv-SE" dirty="0" smtClean="0"/>
+              <a:t>Innehåller olika Components som är bra att ha</a:t>
+            </a:r>
+          </a:p>
+          <a:p>
+            <a:pPr lvl="1"/>
+            <a:r>
+              <a:rPr lang="sv-SE" dirty="0" smtClean="0"/>
+              <a:t>Kundvagnen som visar produkterna du har lagt till</a:t>
+            </a:r>
+          </a:p>
+          <a:p>
+            <a:pPr lvl="1"/>
+            <a:r>
+              <a:rPr lang="sv-SE" dirty="0" smtClean="0"/>
+              <a:t>Loggan som tar dig till början av hemsidan</a:t>
+            </a:r>
+          </a:p>
+          <a:p>
+            <a:pPr lvl="1"/>
+            <a:r>
+              <a:rPr lang="sv-SE" dirty="0" smtClean="0"/>
+              <a:t>Logga in som ger dig en inloggning eller en bli medlem pop </a:t>
+            </a:r>
+            <a:r>
+              <a:rPr lang="sv-SE" dirty="0" err="1" smtClean="0"/>
+              <a:t>up</a:t>
+            </a:r>
+            <a:endParaRPr lang="sv-SE" dirty="0" smtClean="0"/>
+          </a:p>
+          <a:p>
+            <a:endParaRPr lang="sv-SE" dirty="0"/>
+          </a:p>
+        </p:txBody>
+      </p:sp>
+    </p:spTree>
+    <p:extLst>
+      <p:ext uri="{BB962C8B-B14F-4D97-AF65-F5344CB8AC3E}">
+        <p14:creationId xmlns:p14="http://schemas.microsoft.com/office/powerpoint/2010/main" val="830861392"/>
+      </p:ext>
+    </p:extLst>
+  </p:cSld>
+  <p:clrMapOvr>
+    <a:masterClrMapping/>
+  </p:clrMapOvr>
+  <p:timing>
+    <p:tnLst>
+      <p:par>
+        <p:cTn id="1" dur="indefinite" restart="never" nodeType="tmRoot"/>
+      </p:par>
+    </p:tnLst>
+  </p:timing>
+</p:sld>
+</file>
+
+<file path=ppt/slides/slide4.xml><?xml version="1.0" encoding="utf-8"?>
+<p:sld xmlns:a="http://schemas.openxmlformats.org/drawingml/2006/main" xmlns:r="http://schemas.openxmlformats.org/officeDocument/2006/relationships" xmlns:p="http://schemas.openxmlformats.org/presentationml/2006/main">
+  <p:cSld>
+    <p:spTree>
+      <p:nvGrpSpPr>
+        <p:cNvPr id="1" name=""/>
+        <p:cNvGrpSpPr/>
+        <p:nvPr/>
+      </p:nvGrpSpPr>
+      <p:grpSpPr>
+        <a:xfrm>
+          <a:off x="0" y="0"/>
+          <a:ext cx="0" cy="0"/>
+          <a:chOff x="0" y="0"/>
+          <a:chExt cx="0" cy="0"/>
+        </a:xfrm>
+      </p:grpSpPr>
+      <p:sp>
+        <p:nvSpPr>
           <p:cNvPr id="2" name="Rubrik 1"/>
           <p:cNvSpPr>
             <a:spLocks noGrp="1"/>
@@ -3181,7 +4403,19 @@
           <a:bodyPr/>
           <a:lstStyle/>
           <a:p>
-            <a:endParaRPr lang="sv-SE"/>
+            <a:r>
+              <a:rPr lang="sv-SE" dirty="0" err="1" smtClean="0"/>
+              <a:t>Search</a:t>
+            </a:r>
+            <a:r>
+              <a:rPr lang="sv-SE" dirty="0" smtClean="0"/>
+              <a:t> </a:t>
+            </a:r>
+            <a:r>
+              <a:rPr lang="sv-SE" dirty="0" err="1" smtClean="0"/>
+              <a:t>engine</a:t>
+            </a:r>
+            <a:endParaRPr lang="sv-SE" dirty="0"/>
           </a:p>
         </p:txBody>
       </p:sp>
@@ -3195,15 +4429,97 @@
             <p:ph idx="1"/>
           </p:nvPr>
         </p:nvSpPr>
-        <p:spPr/>
-        <p:txBody>
-          <a:bodyPr/>
-          <a:lstStyle/>
-          <a:p>
-            <a:endParaRPr lang="sv-SE"/>
-          </a:p>
-        </p:txBody>
-      </p:sp>
+        <p:spPr>
+          <a:xfrm>
+            <a:off x="838200" y="1825625"/>
+            <a:ext cx="5978236" cy="4351338"/>
+          </a:xfrm>
+        </p:spPr>
+        <p:txBody>
+          <a:bodyPr/>
+          <a:lstStyle/>
+          <a:p>
+            <a:r>
+              <a:rPr lang="sv-SE" dirty="0" smtClean="0"/>
+              <a:t>Snabbare navigation</a:t>
+            </a:r>
+          </a:p>
+          <a:p>
+            <a:r>
+              <a:rPr lang="sv-SE" dirty="0" smtClean="0"/>
+              <a:t>Enkelt hitta produkter du letar efter</a:t>
+            </a:r>
+          </a:p>
+          <a:p>
+            <a:r>
+              <a:rPr lang="sv-SE" dirty="0" smtClean="0"/>
+              <a:t>Går direkt till produktens </a:t>
+            </a:r>
+            <a:r>
+              <a:rPr lang="sv-SE" dirty="0" err="1" smtClean="0"/>
+              <a:t>sidanär</a:t>
+            </a:r>
+            <a:r>
+              <a:rPr lang="sv-SE" dirty="0" smtClean="0"/>
+              <a:t> du klickar på produktens namn</a:t>
+            </a:r>
+          </a:p>
+          <a:p>
+            <a:r>
+              <a:rPr lang="sv-SE" dirty="0" smtClean="0"/>
+              <a:t>Använder en speciell metod för att söka upp produkter (förklarad senare i presentationen)</a:t>
+            </a:r>
+          </a:p>
+        </p:txBody>
+      </p:sp>
+      <p:pic>
+        <p:nvPicPr>
+          <p:cNvPr id="4" name="Bildobjekt 3"/>
+          <p:cNvPicPr>
+            <a:picLocks noChangeAspect="1"/>
+          </p:cNvPicPr>
+          <p:nvPr/>
+        </p:nvPicPr>
+        <p:blipFill>
+          <a:blip r:embed="rId2"/>
+          <a:stretch>
+            <a:fillRect/>
+          </a:stretch>
+        </p:blipFill>
+        <p:spPr>
+          <a:xfrm>
+            <a:off x="6335962" y="761169"/>
+            <a:ext cx="5563376" cy="533474"/>
+          </a:xfrm>
+          <a:prstGeom prst="rect">
+            <a:avLst/>
+          </a:prstGeom>
+        </p:spPr>
+      </p:pic>
+      <p:pic>
+        <p:nvPicPr>
+          <p:cNvPr id="5" name="Bildobjekt 4"/>
+          <p:cNvPicPr>
+            <a:picLocks noChangeAspect="1"/>
+          </p:cNvPicPr>
+          <p:nvPr/>
+        </p:nvPicPr>
+        <p:blipFill>
+          <a:blip r:embed="rId3"/>
+          <a:stretch>
+            <a:fillRect/>
+          </a:stretch>
+        </p:blipFill>
+        <p:spPr>
+          <a:xfrm>
+            <a:off x="7124007" y="1938065"/>
+            <a:ext cx="3987286" cy="4126458"/>
+          </a:xfrm>
+          <a:prstGeom prst="rect">
+            <a:avLst/>
+          </a:prstGeom>
+        </p:spPr>
+      </p:pic>
     </p:spTree>
     <p:extLst>
       <p:ext uri="{BB962C8B-B14F-4D97-AF65-F5344CB8AC3E}">
@@ -3214,6 +4530,600 @@
   <p:clrMapOvr>
     <a:masterClrMapping/>
   </p:clrMapOvr>
+  <p:timing>
+    <p:tnLst>
+      <p:par>
+        <p:cTn id="1" dur="indefinite" restart="never" nodeType="tmRoot"/>
+      </p:par>
+    </p:tnLst>
+  </p:timing>
+</p:sld>
+</file>
+
+<file path=ppt/slides/slide5.xml><?xml version="1.0" encoding="utf-8"?>
+<p:sld xmlns:a="http://schemas.openxmlformats.org/drawingml/2006/main" xmlns:r="http://schemas.openxmlformats.org/officeDocument/2006/relationships" xmlns:p="http://schemas.openxmlformats.org/presentationml/2006/main">
+  <p:cSld>
+    <p:spTree>
+      <p:nvGrpSpPr>
+        <p:cNvPr id="1" name=""/>
+        <p:cNvGrpSpPr/>
+        <p:nvPr/>
+      </p:nvGrpSpPr>
+      <p:grpSpPr>
+        <a:xfrm>
+          <a:off x="0" y="0"/>
+          <a:ext cx="0" cy="0"/>
+          <a:chOff x="0" y="0"/>
+          <a:chExt cx="0" cy="0"/>
+        </a:xfrm>
+      </p:grpSpPr>
+      <p:sp>
+        <p:nvSpPr>
+          <p:cNvPr id="2" name="Rubrik 1"/>
+          <p:cNvSpPr>
+            <a:spLocks noGrp="1"/>
+          </p:cNvSpPr>
+          <p:nvPr>
+            <p:ph type="title"/>
+          </p:nvPr>
+        </p:nvSpPr>
+        <p:spPr/>
+        <p:txBody>
+          <a:bodyPr/>
+          <a:lstStyle/>
+          <a:p>
+            <a:r>
+              <a:rPr lang="sv-SE" dirty="0" smtClean="0"/>
+              <a:t>Shopping </a:t>
+            </a:r>
+            <a:r>
+              <a:rPr lang="sv-SE" dirty="0" err="1" smtClean="0"/>
+              <a:t>cart</a:t>
+            </a:r>
+            <a:endParaRPr lang="sv-SE" dirty="0"/>
+          </a:p>
+        </p:txBody>
+      </p:sp>
+      <p:sp>
+        <p:nvSpPr>
+          <p:cNvPr id="3" name="Platshållare för innehåll 2"/>
+          <p:cNvSpPr>
+            <a:spLocks noGrp="1"/>
+          </p:cNvSpPr>
+          <p:nvPr>
+            <p:ph idx="1"/>
+          </p:nvPr>
+        </p:nvSpPr>
+        <p:spPr>
+          <a:xfrm>
+            <a:off x="838200" y="1825625"/>
+            <a:ext cx="7748847" cy="4351338"/>
+          </a:xfrm>
+        </p:spPr>
+        <p:txBody>
+          <a:bodyPr/>
+          <a:lstStyle/>
+          <a:p>
+            <a:r>
+              <a:rPr lang="sv-SE" dirty="0" smtClean="0"/>
+              <a:t>Innehåller alla produkter</a:t>
+            </a:r>
+          </a:p>
+          <a:p>
+            <a:r>
+              <a:rPr lang="sv-SE" dirty="0" smtClean="0"/>
+              <a:t>Visar hur många produkter du har utanför</a:t>
+            </a:r>
+          </a:p>
+          <a:p>
+            <a:r>
+              <a:rPr lang="sv-SE" dirty="0" smtClean="0"/>
+              <a:t>Lägg till och ta bort produkter inom kundvagnen</a:t>
+            </a:r>
+          </a:p>
+          <a:p>
+            <a:endParaRPr lang="sv-SE" dirty="0" smtClean="0"/>
+          </a:p>
+          <a:p>
+            <a:endParaRPr lang="sv-SE" dirty="0" smtClean="0"/>
+          </a:p>
+          <a:p>
+            <a:endParaRPr lang="sv-SE" dirty="0" smtClean="0"/>
+          </a:p>
+          <a:p>
+            <a:endParaRPr lang="sv-SE" dirty="0"/>
+          </a:p>
+        </p:txBody>
+      </p:sp>
+      <p:pic>
+        <p:nvPicPr>
+          <p:cNvPr id="5" name="Bildobjekt 4"/>
+          <p:cNvPicPr>
+            <a:picLocks noChangeAspect="1"/>
+          </p:cNvPicPr>
+          <p:nvPr/>
+        </p:nvPicPr>
+        <p:blipFill>
+          <a:blip r:embed="rId2"/>
+          <a:stretch>
+            <a:fillRect/>
+          </a:stretch>
+        </p:blipFill>
+        <p:spPr>
+          <a:xfrm>
+            <a:off x="8714902" y="1895248"/>
+            <a:ext cx="485843" cy="543001"/>
+          </a:xfrm>
+          <a:prstGeom prst="rect">
+            <a:avLst/>
+          </a:prstGeom>
+        </p:spPr>
+      </p:pic>
+      <p:pic>
+        <p:nvPicPr>
+          <p:cNvPr id="6" name="Bildobjekt 5"/>
+          <p:cNvPicPr>
+            <a:picLocks noChangeAspect="1"/>
+          </p:cNvPicPr>
+          <p:nvPr/>
+        </p:nvPicPr>
+        <p:blipFill>
+          <a:blip r:embed="rId3"/>
+          <a:stretch>
+            <a:fillRect/>
+          </a:stretch>
+        </p:blipFill>
+        <p:spPr>
+          <a:xfrm>
+            <a:off x="8667270" y="2674097"/>
+            <a:ext cx="581106" cy="590632"/>
+          </a:xfrm>
+          <a:prstGeom prst="rect">
+            <a:avLst/>
+          </a:prstGeom>
+        </p:spPr>
+      </p:pic>
+    </p:spTree>
+    <p:extLst>
+      <p:ext uri="{BB962C8B-B14F-4D97-AF65-F5344CB8AC3E}">
+        <p14:creationId xmlns:p14="http://schemas.microsoft.com/office/powerpoint/2010/main" val="4240019415"/>
+      </p:ext>
+    </p:extLst>
+  </p:cSld>
+  <p:clrMapOvr>
+    <a:masterClrMapping/>
+  </p:clrMapOvr>
+  <p:timing>
+    <p:tnLst>
+      <p:par>
+        <p:cTn id="1" dur="indefinite" restart="never" nodeType="tmRoot"/>
+      </p:par>
+    </p:tnLst>
+  </p:timing>
+</p:sld>
+</file>
+
+<file path=ppt/slides/slide6.xml><?xml version="1.0" encoding="utf-8"?>
+<p:sld xmlns:a="http://schemas.openxmlformats.org/drawingml/2006/main" xmlns:r="http://schemas.openxmlformats.org/officeDocument/2006/relationships" xmlns:p="http://schemas.openxmlformats.org/presentationml/2006/main">
+  <p:cSld>
+    <p:spTree>
+      <p:nvGrpSpPr>
+        <p:cNvPr id="1" name=""/>
+        <p:cNvGrpSpPr/>
+        <p:nvPr/>
+      </p:nvGrpSpPr>
+      <p:grpSpPr>
+        <a:xfrm>
+          <a:off x="0" y="0"/>
+          <a:ext cx="0" cy="0"/>
+          <a:chOff x="0" y="0"/>
+          <a:chExt cx="0" cy="0"/>
+        </a:xfrm>
+      </p:grpSpPr>
+      <p:sp>
+        <p:nvSpPr>
+          <p:cNvPr id="2" name="Rubrik 1"/>
+          <p:cNvSpPr>
+            <a:spLocks noGrp="1"/>
+          </p:cNvSpPr>
+          <p:nvPr>
+            <p:ph type="title"/>
+          </p:nvPr>
+        </p:nvSpPr>
+        <p:spPr/>
+        <p:txBody>
+          <a:bodyPr/>
+          <a:lstStyle/>
+          <a:p>
+            <a:endParaRPr lang="sv-SE"/>
+          </a:p>
+        </p:txBody>
+      </p:sp>
+      <p:sp>
+        <p:nvSpPr>
+          <p:cNvPr id="3" name="Platshållare för innehåll 2"/>
+          <p:cNvSpPr>
+            <a:spLocks noGrp="1"/>
+          </p:cNvSpPr>
+          <p:nvPr>
+            <p:ph idx="1"/>
+          </p:nvPr>
+        </p:nvSpPr>
+        <p:spPr/>
+        <p:txBody>
+          <a:bodyPr/>
+          <a:lstStyle/>
+          <a:p>
+            <a:endParaRPr lang="sv-SE"/>
+          </a:p>
+        </p:txBody>
+      </p:sp>
+      <p:pic>
+        <p:nvPicPr>
+          <p:cNvPr id="4" name="Bildobjekt 3"/>
+          <p:cNvPicPr>
+            <a:picLocks noChangeAspect="1"/>
+          </p:cNvPicPr>
+          <p:nvPr/>
+        </p:nvPicPr>
+        <p:blipFill>
+          <a:blip r:embed="rId2"/>
+          <a:stretch>
+            <a:fillRect/>
+          </a:stretch>
+        </p:blipFill>
+        <p:spPr>
+          <a:xfrm>
+            <a:off x="0" y="1"/>
+            <a:ext cx="12192000" cy="6858000"/>
+          </a:xfrm>
+          <a:prstGeom prst="rect">
+            <a:avLst/>
+          </a:prstGeom>
+        </p:spPr>
+      </p:pic>
+    </p:spTree>
+    <p:extLst>
+      <p:ext uri="{BB962C8B-B14F-4D97-AF65-F5344CB8AC3E}">
+        <p14:creationId xmlns:p14="http://schemas.microsoft.com/office/powerpoint/2010/main" val="1371543543"/>
+      </p:ext>
+    </p:extLst>
+  </p:cSld>
+  <p:clrMapOvr>
+    <a:masterClrMapping/>
+  </p:clrMapOvr>
+  <p:timing>
+    <p:tnLst>
+      <p:par>
+        <p:cTn id="1" dur="indefinite" restart="never" nodeType="tmRoot"/>
+      </p:par>
+    </p:tnLst>
+  </p:timing>
+</p:sld>
+</file>
+
+<file path=ppt/slides/slide7.xml><?xml version="1.0" encoding="utf-8"?>
+<p:sld xmlns:a="http://schemas.openxmlformats.org/drawingml/2006/main" xmlns:r="http://schemas.openxmlformats.org/officeDocument/2006/relationships" xmlns:p="http://schemas.openxmlformats.org/presentationml/2006/main">
+  <p:cSld>
+    <p:spTree>
+      <p:nvGrpSpPr>
+        <p:cNvPr id="1" name=""/>
+        <p:cNvGrpSpPr/>
+        <p:nvPr/>
+      </p:nvGrpSpPr>
+      <p:grpSpPr>
+        <a:xfrm>
+          <a:off x="0" y="0"/>
+          <a:ext cx="0" cy="0"/>
+          <a:chOff x="0" y="0"/>
+          <a:chExt cx="0" cy="0"/>
+        </a:xfrm>
+      </p:grpSpPr>
+      <p:sp>
+        <p:nvSpPr>
+          <p:cNvPr id="2" name="Rubrik 1"/>
+          <p:cNvSpPr>
+            <a:spLocks noGrp="1"/>
+          </p:cNvSpPr>
+          <p:nvPr>
+            <p:ph type="title"/>
+          </p:nvPr>
+        </p:nvSpPr>
+        <p:spPr/>
+        <p:txBody>
+          <a:bodyPr/>
+          <a:lstStyle/>
+          <a:p>
+            <a:endParaRPr lang="sv-SE"/>
+          </a:p>
+        </p:txBody>
+      </p:sp>
+      <p:sp>
+        <p:nvSpPr>
+          <p:cNvPr id="3" name="Platshållare för innehåll 2"/>
+          <p:cNvSpPr>
+            <a:spLocks noGrp="1"/>
+          </p:cNvSpPr>
+          <p:nvPr>
+            <p:ph idx="1"/>
+          </p:nvPr>
+        </p:nvSpPr>
+        <p:spPr/>
+        <p:txBody>
+          <a:bodyPr/>
+          <a:lstStyle/>
+          <a:p>
+            <a:endParaRPr lang="sv-SE"/>
+          </a:p>
+        </p:txBody>
+      </p:sp>
+      <p:pic>
+        <p:nvPicPr>
+          <p:cNvPr id="5" name="Bildobjekt 4"/>
+          <p:cNvPicPr>
+            <a:picLocks noChangeAspect="1"/>
+          </p:cNvPicPr>
+          <p:nvPr/>
+        </p:nvPicPr>
+        <p:blipFill>
+          <a:blip r:embed="rId2"/>
+          <a:stretch>
+            <a:fillRect/>
+          </a:stretch>
+        </p:blipFill>
+        <p:spPr>
+          <a:xfrm>
+            <a:off x="0" y="0"/>
+            <a:ext cx="12192000" cy="6858000"/>
+          </a:xfrm>
+          <a:prstGeom prst="rect">
+            <a:avLst/>
+          </a:prstGeom>
+        </p:spPr>
+      </p:pic>
+    </p:spTree>
+    <p:extLst>
+      <p:ext uri="{BB962C8B-B14F-4D97-AF65-F5344CB8AC3E}">
+        <p14:creationId xmlns:p14="http://schemas.microsoft.com/office/powerpoint/2010/main" val="2241840652"/>
+      </p:ext>
+    </p:extLst>
+  </p:cSld>
+  <p:clrMapOvr>
+    <a:masterClrMapping/>
+  </p:clrMapOvr>
+  <p:timing>
+    <p:tnLst>
+      <p:par>
+        <p:cTn id="1" dur="indefinite" restart="never" nodeType="tmRoot"/>
+      </p:par>
+    </p:tnLst>
+  </p:timing>
+</p:sld>
+</file>
+
+<file path=ppt/slides/slide8.xml><?xml version="1.0" encoding="utf-8"?>
+<p:sld xmlns:a="http://schemas.openxmlformats.org/drawingml/2006/main" xmlns:r="http://schemas.openxmlformats.org/officeDocument/2006/relationships" xmlns:p="http://schemas.openxmlformats.org/presentationml/2006/main">
+  <p:cSld>
+    <p:spTree>
+      <p:nvGrpSpPr>
+        <p:cNvPr id="1" name=""/>
+        <p:cNvGrpSpPr/>
+        <p:nvPr/>
+      </p:nvGrpSpPr>
+      <p:grpSpPr>
+        <a:xfrm>
+          <a:off x="0" y="0"/>
+          <a:ext cx="0" cy="0"/>
+          <a:chOff x="0" y="0"/>
+          <a:chExt cx="0" cy="0"/>
+        </a:xfrm>
+      </p:grpSpPr>
+      <p:sp>
+        <p:nvSpPr>
+          <p:cNvPr id="2" name="Rubrik 1"/>
+          <p:cNvSpPr>
+            <a:spLocks noGrp="1"/>
+          </p:cNvSpPr>
+          <p:nvPr>
+            <p:ph type="title"/>
+          </p:nvPr>
+        </p:nvSpPr>
+        <p:spPr/>
+        <p:txBody>
+          <a:bodyPr/>
+          <a:lstStyle/>
+          <a:p>
+            <a:r>
+              <a:rPr lang="sv-SE" dirty="0" smtClean="0"/>
+              <a:t>Mobile navigation</a:t>
+            </a:r>
+            <a:endParaRPr lang="sv-SE" dirty="0"/>
+          </a:p>
+        </p:txBody>
+      </p:sp>
+      <p:sp>
+        <p:nvSpPr>
+          <p:cNvPr id="3" name="Platshållare för innehåll 2"/>
+          <p:cNvSpPr>
+            <a:spLocks noGrp="1"/>
+          </p:cNvSpPr>
+          <p:nvPr>
+            <p:ph idx="1"/>
+          </p:nvPr>
+        </p:nvSpPr>
+        <p:spPr/>
+        <p:txBody>
+          <a:bodyPr/>
+          <a:lstStyle/>
+          <a:p>
+            <a:r>
+              <a:rPr lang="sv-SE" smtClean="0"/>
+              <a:t>W.I.P</a:t>
+            </a:r>
+            <a:endParaRPr lang="sv-SE"/>
+          </a:p>
+        </p:txBody>
+      </p:sp>
+    </p:spTree>
+    <p:extLst>
+      <p:ext uri="{BB962C8B-B14F-4D97-AF65-F5344CB8AC3E}">
+        <p14:creationId xmlns:p14="http://schemas.microsoft.com/office/powerpoint/2010/main" val="3642488730"/>
+      </p:ext>
+    </p:extLst>
+  </p:cSld>
+  <p:clrMapOvr>
+    <a:masterClrMapping/>
+  </p:clrMapOvr>
+</p:sld>
+</file>
+
+<file path=ppt/slides/slide9.xml><?xml version="1.0" encoding="utf-8"?>
+<p:sld xmlns:a="http://schemas.openxmlformats.org/drawingml/2006/main" xmlns:r="http://schemas.openxmlformats.org/officeDocument/2006/relationships" xmlns:p="http://schemas.openxmlformats.org/presentationml/2006/main">
+  <p:cSld>
+    <p:spTree>
+      <p:nvGrpSpPr>
+        <p:cNvPr id="1" name=""/>
+        <p:cNvGrpSpPr/>
+        <p:nvPr/>
+      </p:nvGrpSpPr>
+      <p:grpSpPr>
+        <a:xfrm>
+          <a:off x="0" y="0"/>
+          <a:ext cx="0" cy="0"/>
+          <a:chOff x="0" y="0"/>
+          <a:chExt cx="0" cy="0"/>
+        </a:xfrm>
+      </p:grpSpPr>
+      <p:sp>
+        <p:nvSpPr>
+          <p:cNvPr id="2" name="Rubrik 1"/>
+          <p:cNvSpPr>
+            <a:spLocks noGrp="1"/>
+          </p:cNvSpPr>
+          <p:nvPr>
+            <p:ph type="title"/>
+          </p:nvPr>
+        </p:nvSpPr>
+        <p:spPr/>
+        <p:txBody>
+          <a:bodyPr/>
+          <a:lstStyle/>
+          <a:p>
+            <a:r>
+              <a:rPr lang="sv-SE" dirty="0" smtClean="0"/>
+              <a:t>Main page slider</a:t>
+            </a:r>
+            <a:endParaRPr lang="sv-SE" dirty="0"/>
+          </a:p>
+        </p:txBody>
+      </p:sp>
+      <p:sp>
+        <p:nvSpPr>
+          <p:cNvPr id="3" name="Platshållare för innehåll 2"/>
+          <p:cNvSpPr>
+            <a:spLocks noGrp="1"/>
+          </p:cNvSpPr>
+          <p:nvPr>
+            <p:ph idx="1"/>
+          </p:nvPr>
+        </p:nvSpPr>
+        <p:spPr>
+          <a:xfrm>
+            <a:off x="838200" y="1825625"/>
+            <a:ext cx="5122025" cy="4351338"/>
+          </a:xfrm>
+        </p:spPr>
+        <p:txBody>
+          <a:bodyPr/>
+          <a:lstStyle/>
+          <a:p>
+            <a:r>
+              <a:rPr lang="sv-SE" dirty="0" smtClean="0"/>
+              <a:t>Stor slider som visar rekommenderade produkter eller kampanj varor</a:t>
+            </a:r>
+          </a:p>
+          <a:p>
+            <a:r>
+              <a:rPr lang="sv-SE" dirty="0" smtClean="0"/>
+              <a:t>Sitter i första bladet när du kommer in </a:t>
+            </a:r>
+            <a:r>
+              <a:rPr lang="sv-SE" dirty="0"/>
+              <a:t>i</a:t>
+            </a:r>
+            <a:r>
+              <a:rPr lang="sv-SE" dirty="0" smtClean="0"/>
+              <a:t> hemsidan</a:t>
+            </a:r>
+            <a:endParaRPr lang="sv-SE" dirty="0"/>
+          </a:p>
+        </p:txBody>
+      </p:sp>
+      <p:pic>
+        <p:nvPicPr>
+          <p:cNvPr id="4" name="Bildobjekt 3"/>
+          <p:cNvPicPr>
+            <a:picLocks noChangeAspect="1"/>
+          </p:cNvPicPr>
+          <p:nvPr/>
+        </p:nvPicPr>
+        <p:blipFill>
+          <a:blip r:embed="rId2"/>
+          <a:stretch>
+            <a:fillRect/>
+          </a:stretch>
+        </p:blipFill>
+        <p:spPr>
+          <a:xfrm>
+            <a:off x="6096000" y="581531"/>
+            <a:ext cx="5807825" cy="2488188"/>
+          </a:xfrm>
+          <a:prstGeom prst="rect">
+            <a:avLst/>
+          </a:prstGeom>
+        </p:spPr>
+      </p:pic>
+      <p:pic>
+        <p:nvPicPr>
+          <p:cNvPr id="5" name="Bildobjekt 4"/>
+          <p:cNvPicPr>
+            <a:picLocks noChangeAspect="1"/>
+          </p:cNvPicPr>
+          <p:nvPr/>
+        </p:nvPicPr>
+        <p:blipFill>
+          <a:blip r:embed="rId3"/>
+          <a:stretch>
+            <a:fillRect/>
+          </a:stretch>
+        </p:blipFill>
+        <p:spPr>
+          <a:xfrm>
+            <a:off x="6096000" y="3429000"/>
+            <a:ext cx="5812584" cy="2473036"/>
+          </a:xfrm>
+          <a:prstGeom prst="rect">
+            <a:avLst/>
+          </a:prstGeom>
+        </p:spPr>
+      </p:pic>
+    </p:spTree>
+    <p:extLst>
+      <p:ext uri="{BB962C8B-B14F-4D97-AF65-F5344CB8AC3E}">
+        <p14:creationId xmlns:p14="http://schemas.microsoft.com/office/powerpoint/2010/main" val="795077339"/>
+      </p:ext>
+    </p:extLst>
+  </p:cSld>
+  <p:clrMapOvr>
+    <a:masterClrMapping/>
+  </p:clrMapOvr>
+  <p:timing>
+    <p:tnLst>
+      <p:par>
+        <p:cTn id="1" dur="indefinite" restart="never" nodeType="tmRoot"/>
+      </p:par>
+    </p:tnLst>
+  </p:timing>
 </p:sld>
 </file>
 

--- a/Presentation for project.pptx
+++ b/Presentation for project.pptx
@@ -3015,8 +3015,8 @@
         </p:nvSpPr>
         <p:spPr>
           <a:xfrm>
-            <a:off x="838200" y="1825625"/>
-            <a:ext cx="10515600" cy="3145386"/>
+            <a:off x="838200" y="1585577"/>
+            <a:ext cx="10515600" cy="2314113"/>
           </a:xfrm>
         </p:spPr>
         <p:txBody>
@@ -3037,8 +3037,23 @@
           <a:p>
             <a:r>
               <a:rPr lang="sv-SE" dirty="0" smtClean="0"/>
-              <a:t>Används primärt som en navigations hjälp</a:t>
-            </a:r>
+              <a:t>Används primärt som en navigations </a:t>
+            </a:r>
+            <a:r>
+              <a:rPr lang="sv-SE" dirty="0" smtClean="0"/>
+              <a:t>hjälp</a:t>
+            </a:r>
+          </a:p>
+          <a:p>
+            <a:r>
+              <a:rPr lang="sv-SE" dirty="0" smtClean="0"/>
+              <a:t>Mindre enheter tar en smalare version av </a:t>
+            </a:r>
+            <a:r>
+              <a:rPr lang="sv-SE" dirty="0" err="1" smtClean="0"/>
+              <a:t>header</a:t>
+            </a:r>
+            <a:endParaRPr lang="sv-SE" dirty="0" smtClean="0"/>
           </a:p>
           <a:p>
             <a:endParaRPr lang="sv-SE" dirty="0"/>
@@ -3063,6 +3078,30 @@
           <a:xfrm>
             <a:off x="696607" y="5137790"/>
             <a:ext cx="10657193" cy="1357246"/>
+          </a:xfrm>
+          <a:prstGeom prst="rect">
+            <a:avLst/>
+          </a:prstGeom>
+        </p:spPr>
+      </p:pic>
+      <p:pic>
+        <p:nvPicPr>
+          <p:cNvPr id="3" name="Bildobjekt 2"/>
+          <p:cNvPicPr>
+            <a:picLocks noChangeAspect="1"/>
+          </p:cNvPicPr>
+          <p:nvPr/>
+        </p:nvPicPr>
+        <p:blipFill>
+          <a:blip r:embed="rId3"/>
+          <a:stretch>
+            <a:fillRect/>
+          </a:stretch>
+        </p:blipFill>
+        <p:spPr>
+          <a:xfrm>
+            <a:off x="1017042" y="3794578"/>
+            <a:ext cx="9459645" cy="1343212"/>
           </a:xfrm>
           <a:prstGeom prst="rect">
             <a:avLst/>
@@ -3258,6 +3297,12 @@
             <a:r>
               <a:rPr lang="sv-SE" dirty="0" smtClean="0"/>
               <a:t>Används för att spara information när du navigerar igenom hemsidan och när du lämnar den</a:t>
+            </a:r>
+          </a:p>
+          <a:p>
+            <a:r>
+              <a:rPr lang="sv-SE" dirty="0" smtClean="0"/>
+              <a:t>Andra funktionen för Sök motorn</a:t>
             </a:r>
           </a:p>
           <a:p>
@@ -4071,6 +4116,44 @@
           </a:prstGeom>
         </p:spPr>
       </p:pic>
+      <p:sp>
+        <p:nvSpPr>
+          <p:cNvPr id="2" name="textruta 1"/>
+          <p:cNvSpPr txBox="1"/>
+          <p:nvPr/>
+        </p:nvSpPr>
+        <p:spPr>
+          <a:xfrm>
+            <a:off x="1757916" y="328534"/>
+            <a:ext cx="7691208" cy="584775"/>
+          </a:xfrm>
+          <a:prstGeom prst="rect">
+            <a:avLst/>
+          </a:prstGeom>
+          <a:noFill/>
+        </p:spPr>
+        <p:txBody>
+          <a:bodyPr wrap="none" rtlCol="0">
+            <a:spAutoFit/>
+          </a:bodyPr>
+          <a:lstStyle/>
+          <a:p>
+            <a:r>
+              <a:rPr lang="sv-SE" sz="3200" dirty="0" smtClean="0"/>
+              <a:t>Cookies förklarad i en diagram (for </a:t>
+            </a:r>
+            <a:r>
+              <a:rPr lang="sv-SE" sz="3200" dirty="0" err="1" smtClean="0"/>
+              <a:t>dummies</a:t>
+            </a:r>
+            <a:r>
+              <a:rPr lang="sv-SE" sz="3200" dirty="0" smtClean="0"/>
+              <a:t>)</a:t>
+            </a:r>
+            <a:endParaRPr lang="sv-SE" sz="3200" dirty="0"/>
+          </a:p>
+        </p:txBody>
+      </p:sp>
     </p:spTree>
     <p:extLst>
       <p:ext uri="{BB962C8B-B14F-4D97-AF65-F5344CB8AC3E}">
@@ -4196,7 +4279,6 @@
               <a:rPr lang="sv-SE" dirty="0" smtClean="0"/>
               <a:t>Logga</a:t>
             </a:r>
-            <a:endParaRPr lang="sv-SE" dirty="0" smtClean="0"/>
           </a:p>
           <a:p>
             <a:endParaRPr lang="sv-SE" dirty="0" smtClean="0"/>
@@ -4456,12 +4538,12 @@
               <a:t>Går direkt till produktens </a:t>
             </a:r>
             <a:r>
-              <a:rPr lang="sv-SE" dirty="0" err="1" smtClean="0"/>
-              <a:t>sidanär</a:t>
-            </a:r>
-            <a:r>
               <a:rPr lang="sv-SE" dirty="0" smtClean="0"/>
-              <a:t> du klickar på produktens namn</a:t>
+              <a:t>sida när </a:t>
+            </a:r>
+            <a:r>
+              <a:rPr lang="sv-SE" dirty="0" smtClean="0"/>
+              <a:t>du klickar på produktens namn</a:t>
             </a:r>
           </a:p>
           <a:p>
@@ -4618,8 +4700,19 @@
           <a:p>
             <a:r>
               <a:rPr lang="sv-SE" dirty="0" smtClean="0"/>
-              <a:t>Lägg till och ta bort produkter inom kundvagnen</a:t>
-            </a:r>
+              <a:t>Lägg till och ta bort produkter inom </a:t>
+            </a:r>
+            <a:r>
+              <a:rPr lang="sv-SE" dirty="0" smtClean="0"/>
+              <a:t>kundvagnen</a:t>
+            </a:r>
+          </a:p>
+          <a:p>
+            <a:r>
+              <a:rPr lang="sv-SE" dirty="0" smtClean="0"/>
+              <a:t>När produkter finns så kommer Till kassa knappen</a:t>
+            </a:r>
+            <a:endParaRPr lang="sv-SE" dirty="0" smtClean="0"/>
           </a:p>
           <a:p>
             <a:endParaRPr lang="sv-SE" dirty="0" smtClean="0"/>
@@ -4859,7 +4952,7 @@
       </p:sp>
       <p:pic>
         <p:nvPicPr>
-          <p:cNvPr id="5" name="Bildobjekt 4"/>
+          <p:cNvPr id="4" name="Bildobjekt 3"/>
           <p:cNvPicPr>
             <a:picLocks noChangeAspect="1"/>
           </p:cNvPicPr>
@@ -4956,11 +5049,38 @@
           <a:bodyPr/>
           <a:lstStyle/>
           <a:p>
-            <a:r>
-              <a:rPr lang="sv-SE" smtClean="0"/>
-              <a:t>W.I.P</a:t>
-            </a:r>
-            <a:endParaRPr lang="sv-SE"/>
+            <a:pPr marL="0" indent="0">
+              <a:buNone/>
+            </a:pPr>
+            <a:r>
+              <a:rPr lang="sv-SE" dirty="0" smtClean="0"/>
+              <a:t>Skriver senare när </a:t>
+            </a:r>
+            <a:r>
+              <a:rPr lang="sv-SE" dirty="0" err="1" smtClean="0"/>
+              <a:t>Rauf</a:t>
+            </a:r>
+            <a:r>
+              <a:rPr lang="sv-SE" dirty="0" smtClean="0"/>
+              <a:t> är klar med sin så </a:t>
+            </a:r>
+            <a:r>
+              <a:rPr lang="sv-SE" dirty="0" err="1" smtClean="0"/>
+              <a:t>abra</a:t>
+            </a:r>
+            <a:r>
+              <a:rPr lang="sv-SE" dirty="0" smtClean="0"/>
+              <a:t> skicka tillbaka efter du har lagt till </a:t>
+            </a:r>
+            <a:r>
+              <a:rPr lang="sv-SE" dirty="0" err="1" smtClean="0"/>
+              <a:t>Rauf’s</a:t>
+            </a:r>
+            <a:r>
+              <a:rPr lang="sv-SE" dirty="0" smtClean="0"/>
+              <a:t> del</a:t>
+            </a:r>
+            <a:endParaRPr lang="sv-SE" dirty="0"/>
           </a:p>
         </p:txBody>
       </p:sp>
